--- a/NormalityTests.pptx
+++ b/NormalityTests.pptx
@@ -300,7 +300,7 @@
           <a:p>
             <a:fld id="{D468CB45-E7D7-48AD-A585-F48390CF586D}" type="datetimeFigureOut">
               <a:rPr lang="en-US" smtClean="0"/>
-              <a:t>12/7/2021</a:t>
+              <a:t>12/13/2021</a:t>
             </a:fld>
             <a:endParaRPr lang="en-US"/>
           </a:p>
@@ -635,7 +635,7 @@
           <a:p>
             <a:fld id="{D468CB45-E7D7-48AD-A585-F48390CF586D}" type="datetimeFigureOut">
               <a:rPr lang="en-US" smtClean="0"/>
-              <a:t>12/7/2021</a:t>
+              <a:t>12/13/2021</a:t>
             </a:fld>
             <a:endParaRPr lang="en-US"/>
           </a:p>
@@ -815,7 +815,7 @@
           <a:p>
             <a:fld id="{D468CB45-E7D7-48AD-A585-F48390CF586D}" type="datetimeFigureOut">
               <a:rPr lang="en-US" smtClean="0"/>
-              <a:t>12/7/2021</a:t>
+              <a:t>12/13/2021</a:t>
             </a:fld>
             <a:endParaRPr lang="en-US"/>
           </a:p>
@@ -985,7 +985,7 @@
           <a:p>
             <a:fld id="{D468CB45-E7D7-48AD-A585-F48390CF586D}" type="datetimeFigureOut">
               <a:rPr lang="en-US" smtClean="0"/>
-              <a:t>12/7/2021</a:t>
+              <a:t>12/13/2021</a:t>
             </a:fld>
             <a:endParaRPr lang="en-US"/>
           </a:p>
@@ -1262,7 +1262,7 @@
           <a:p>
             <a:fld id="{D468CB45-E7D7-48AD-A585-F48390CF586D}" type="datetimeFigureOut">
               <a:rPr lang="en-US" smtClean="0"/>
-              <a:t>12/7/2021</a:t>
+              <a:t>12/13/2021</a:t>
             </a:fld>
             <a:endParaRPr lang="en-US"/>
           </a:p>
@@ -1656,7 +1656,7 @@
           <a:p>
             <a:fld id="{D468CB45-E7D7-48AD-A585-F48390CF586D}" type="datetimeFigureOut">
               <a:rPr lang="en-US" smtClean="0"/>
-              <a:t>12/7/2021</a:t>
+              <a:t>12/13/2021</a:t>
             </a:fld>
             <a:endParaRPr lang="en-US"/>
           </a:p>
@@ -2133,7 +2133,7 @@
           <a:p>
             <a:fld id="{D468CB45-E7D7-48AD-A585-F48390CF586D}" type="datetimeFigureOut">
               <a:rPr lang="en-US" smtClean="0"/>
-              <a:t>12/7/2021</a:t>
+              <a:t>12/13/2021</a:t>
             </a:fld>
             <a:endParaRPr lang="en-US"/>
           </a:p>
@@ -2251,7 +2251,7 @@
           <a:p>
             <a:fld id="{D468CB45-E7D7-48AD-A585-F48390CF586D}" type="datetimeFigureOut">
               <a:rPr lang="en-US" smtClean="0"/>
-              <a:t>12/7/2021</a:t>
+              <a:t>12/13/2021</a:t>
             </a:fld>
             <a:endParaRPr lang="en-US"/>
           </a:p>
@@ -2346,7 +2346,7 @@
           <a:p>
             <a:fld id="{D468CB45-E7D7-48AD-A585-F48390CF586D}" type="datetimeFigureOut">
               <a:rPr lang="en-US" smtClean="0"/>
-              <a:t>12/7/2021</a:t>
+              <a:t>12/13/2021</a:t>
             </a:fld>
             <a:endParaRPr lang="en-US"/>
           </a:p>
@@ -2697,7 +2697,7 @@
           <a:p>
             <a:fld id="{D468CB45-E7D7-48AD-A585-F48390CF586D}" type="datetimeFigureOut">
               <a:rPr lang="en-US" smtClean="0"/>
-              <a:t>12/7/2021</a:t>
+              <a:t>12/13/2021</a:t>
             </a:fld>
             <a:endParaRPr lang="en-US"/>
           </a:p>
@@ -3090,7 +3090,7 @@
           <a:p>
             <a:fld id="{D468CB45-E7D7-48AD-A585-F48390CF586D}" type="datetimeFigureOut">
               <a:rPr lang="en-US" smtClean="0"/>
-              <a:t>12/7/2021</a:t>
+              <a:t>12/13/2021</a:t>
             </a:fld>
             <a:endParaRPr lang="en-US"/>
           </a:p>
@@ -3368,7 +3368,7 @@
           <a:p>
             <a:fld id="{D468CB45-E7D7-48AD-A585-F48390CF586D}" type="datetimeFigureOut">
               <a:rPr lang="en-US" smtClean="0"/>
-              <a:t>12/7/2021</a:t>
+              <a:t>12/13/2021</a:t>
             </a:fld>
             <a:endParaRPr lang="en-US"/>
           </a:p>
@@ -3814,7 +3814,7 @@
       </a:lvl9pPr>
     </p:otherStyle>
   </p:txStyles>
-  <p:extLst mod="1">
+  <p:extLst>
     <p:ext uri="{27BBF7A9-308A-43DC-89C8-2F10F3537804}">
       <p15:sldGuideLst xmlns:p15="http://schemas.microsoft.com/office/powerpoint/2012/main">
         <p15:guide id="3" orient="horz" pos="1368">
@@ -4451,27 +4451,7 @@
                                     <a:latin typeface="Times New Roman" panose="02020603050405020304" pitchFamily="18" charset="0"/>
                                     <a:cs typeface="Times New Roman" panose="02020603050405020304" pitchFamily="18" charset="0"/>
                                   </a:rPr>
-                                  <m:t> </m:t>
-                                </m:r>
-                                <m:r>
-                                  <m:rPr>
-                                    <m:nor/>
-                                  </m:rPr>
-                                  <a:rPr lang="en-US" sz="2400" dirty="0">
-                                    <a:latin typeface="Times New Roman" panose="02020603050405020304" pitchFamily="18" charset="0"/>
-                                    <a:cs typeface="Times New Roman" panose="02020603050405020304" pitchFamily="18" charset="0"/>
-                                  </a:rPr>
-                                  <m:t>−</m:t>
-                                </m:r>
-                                <m:r>
-                                  <m:rPr>
-                                    <m:nor/>
-                                  </m:rPr>
-                                  <a:rPr lang="en-US" sz="2400" dirty="0">
-                                    <a:latin typeface="Times New Roman" panose="02020603050405020304" pitchFamily="18" charset="0"/>
-                                    <a:cs typeface="Times New Roman" panose="02020603050405020304" pitchFamily="18" charset="0"/>
-                                  </a:rPr>
-                                  <m:t> </m:t>
+                                  <m:t> − </m:t>
                                 </m:r>
                                 <m:sSup>
                                   <m:sSupPr>
@@ -4763,7 +4743,7 @@
                     <a:latin typeface="Times New Roman" panose="02020603050405020304" pitchFamily="18" charset="0"/>
                     <a:cs typeface="Times New Roman" panose="02020603050405020304" pitchFamily="18" charset="0"/>
                   </a:rPr>
-                  <a:t> be an ordered sample of size </a:t>
+                  <a:t> is an ordered sample of size </a:t>
                 </a:r>
                 <a14:m>
                   <m:oMath xmlns:m="http://schemas.openxmlformats.org/officeDocument/2006/math">
@@ -5080,7 +5060,7 @@
                     <a:latin typeface="Times New Roman" panose="02020603050405020304" pitchFamily="18" charset="0"/>
                     <a:cs typeface="Times New Roman" panose="02020603050405020304" pitchFamily="18" charset="0"/>
                   </a:rPr>
-                  <a:t> is the CDF of the specified distribution and log is the lo base e. </a:t>
+                  <a:t> is the CDF of the specified distribution and log is the log base e. </a:t>
                 </a:r>
               </a:p>
               <a:p>
@@ -5440,7 +5420,7 @@
                     <a:latin typeface="Times New Roman" panose="02020603050405020304" pitchFamily="18" charset="0"/>
                     <a:cs typeface="Times New Roman" panose="02020603050405020304" pitchFamily="18" charset="0"/>
                   </a:rPr>
-                  <a:t>is the sample mean standard deviation respectively.   </a:t>
+                  <a:t>is the sample mean and sample standard deviation, respectively.   </a:t>
                 </a:r>
               </a:p>
               <a:p>
@@ -5579,8 +5559,8 @@
           </a:p>
         </p:txBody>
       </p:sp>
-      <mc:AlternateContent xmlns:mc="http://schemas.openxmlformats.org/markup-compatibility/2006">
-        <mc:Choice xmlns:a14="http://schemas.microsoft.com/office/drawing/2010/main" Requires="a14">
+      <mc:AlternateContent xmlns:mc="http://schemas.openxmlformats.org/markup-compatibility/2006" xmlns:a14="http://schemas.microsoft.com/office/drawing/2010/main">
+        <mc:Choice Requires="a14">
           <p:sp>
             <p:nvSpPr>
               <p:cNvPr id="3" name="Content Placeholder 2">
@@ -6595,7 +6575,7 @@
             </p:txBody>
           </p:sp>
         </mc:Choice>
-        <mc:Fallback>
+        <mc:Fallback xmlns="">
           <p:sp>
             <p:nvSpPr>
               <p:cNvPr id="3" name="Content Placeholder 2">
@@ -7132,7 +7112,7 @@
                     <a:latin typeface="Times New Roman" panose="02020603050405020304" pitchFamily="18" charset="0"/>
                     <a:cs typeface="Times New Roman" panose="02020603050405020304" pitchFamily="18" charset="0"/>
                   </a:rPr>
-                  <a:t>Large values of the skewness and kurtosis values far from 3 leads to the rejection of the null hypothesis of normality.</a:t>
+                  <a:t>Large values of the skewness and kurtosis values far from 3 lead to the rejection of the null hypothesis of normality.</a:t>
                 </a:r>
               </a:p>
               <a:p>
@@ -7683,7 +7663,7 @@
                     <a:latin typeface="Times New Roman" panose="02020603050405020304" pitchFamily="18" charset="0"/>
                     <a:cs typeface="Times New Roman" panose="02020603050405020304" pitchFamily="18" charset="0"/>
                   </a:rPr>
-                  <a:t>It is a omnibus test of detecting deviations from normality due to either skewness or kurtosis.</a:t>
+                  <a:t>It is an omnibus test of detecting deviations from normality due to either skewness or kurtosis.</a:t>
                 </a:r>
               </a:p>
               <a:p>
@@ -7869,7 +7849,7 @@
                     <a:latin typeface="Times New Roman" panose="02020603050405020304" pitchFamily="18" charset="0"/>
                     <a:cs typeface="Times New Roman" panose="02020603050405020304" pitchFamily="18" charset="0"/>
                   </a:rPr>
-                  <a:t> independent and identically distributed observations come from the Normal distribution </a:t>
+                  <a:t> independent and identically distributed observations comes from the Normal distribution </a:t>
                 </a:r>
                 <a14:m>
                   <m:oMath xmlns:m="http://schemas.openxmlformats.org/officeDocument/2006/math">
@@ -7995,7 +7975,7 @@
                     <a:latin typeface="Times New Roman" panose="02020603050405020304" pitchFamily="18" charset="0"/>
                     <a:cs typeface="Times New Roman" panose="02020603050405020304" pitchFamily="18" charset="0"/>
                   </a:rPr>
-                  <a:t>The 50,000 generated random samples cum values of each test statistic were ordered to get the empirical critical value of a each test statistic.   </a:t>
+                  <a:t>The 50,000 generated random samples give values of each test statistic which are ordered to get the empirical critical value for each test statistic.   </a:t>
                 </a:r>
               </a:p>
               <a:p>
@@ -8484,7 +8464,7 @@
                     <a:latin typeface="Times New Roman" panose="02020603050405020304" pitchFamily="18" charset="0"/>
                     <a:cs typeface="Times New Roman" panose="02020603050405020304" pitchFamily="18" charset="0"/>
                   </a:rPr>
-                  <a:t>The generated 10,000 random samples were drawn from each alternative distribution (non-normal). The 10,000 random samples cum 10,000 values of each test statistic have observed to see the power or percentage of times it rejects the null hypothesis </a:t>
+                  <a:t>The generated 10,000 random samples were drawn from each alternative distribution (non-normal). The 10,000 random samples gave 10,000 values of each test statistic which were observed to see the power or percentage of times it rejects the null hypothesis </a:t>
                 </a:r>
                 <a14:m>
                   <m:oMath xmlns:m="http://schemas.openxmlformats.org/officeDocument/2006/math">
@@ -8907,8 +8887,8 @@
           </p:sp>
         </mc:Fallback>
       </mc:AlternateContent>
-      <mc:AlternateContent xmlns:mc="http://schemas.openxmlformats.org/markup-compatibility/2006">
-        <mc:Choice xmlns:a14="http://schemas.microsoft.com/office/drawing/2010/main" Requires="a14">
+      <mc:AlternateContent xmlns:mc="http://schemas.openxmlformats.org/markup-compatibility/2006" xmlns:a14="http://schemas.microsoft.com/office/drawing/2010/main">
+        <mc:Choice Requires="a14">
           <p:sp>
             <p:nvSpPr>
               <p:cNvPr id="6" name="TextBox 5">
@@ -9032,7 +9012,7 @@
             </p:txBody>
           </p:sp>
         </mc:Choice>
-        <mc:Fallback>
+        <mc:Fallback xmlns="">
           <p:sp>
             <p:nvSpPr>
               <p:cNvPr id="6" name="TextBox 5">
@@ -9289,7 +9269,7 @@
                 <a:latin typeface="Times New Roman" panose="02020603050405020304" pitchFamily="18" charset="0"/>
                 <a:cs typeface="Times New Roman" panose="02020603050405020304" pitchFamily="18" charset="0"/>
               </a:rPr>
-              <a:t>The simulations results show that DP (omnibus), SW tests are have better power for  short tailed symmetric distributions.</a:t>
+              <a:t>The simulations results show that DP (omnibus), SW tests have better power for  short tailed symmetric distributions.</a:t>
             </a:r>
           </a:p>
           <a:p>
@@ -9442,8 +9422,8 @@
         </p:nvSpPr>
         <p:spPr>
           <a:xfrm>
-            <a:off x="660494" y="1120877"/>
-            <a:ext cx="10871012" cy="5383493"/>
+            <a:off x="1204908" y="1120877"/>
+            <a:ext cx="10326597" cy="5383493"/>
           </a:xfrm>
         </p:spPr>
         <p:txBody>
@@ -9452,27 +9432,24 @@
           </a:bodyPr>
           <a:lstStyle/>
           <a:p>
-            <a:pPr marL="0" indent="0" algn="just">
-              <a:buNone/>
-            </a:pPr>
+            <a:pPr algn="just"/>
             <a:endParaRPr lang="en-US" sz="2400" dirty="0">
               <a:latin typeface="Times New Roman" panose="02020603050405020304" pitchFamily="18" charset="0"/>
               <a:cs typeface="Times New Roman" panose="02020603050405020304" pitchFamily="18" charset="0"/>
             </a:endParaRPr>
           </a:p>
           <a:p>
-            <a:pPr marL="0" indent="0" algn="just">
-              <a:buNone/>
-            </a:pPr>
-            <a:endParaRPr lang="en-US" sz="2400" dirty="0">
-              <a:latin typeface="Times New Roman" panose="02020603050405020304" pitchFamily="18" charset="0"/>
-              <a:cs typeface="Times New Roman" panose="02020603050405020304" pitchFamily="18" charset="0"/>
-            </a:endParaRPr>
-          </a:p>
-          <a:p>
-            <a:pPr marL="0" indent="0" algn="just">
-              <a:buNone/>
-            </a:pPr>
+            <a:pPr algn="just"/>
+            <a:r>
+              <a:rPr lang="en-US" sz="2400" dirty="0">
+                <a:latin typeface="Times New Roman" panose="02020603050405020304" pitchFamily="18" charset="0"/>
+                <a:cs typeface="Times New Roman" panose="02020603050405020304" pitchFamily="18" charset="0"/>
+              </a:rPr>
+              <a:t>See the Presentation html file for a Summary of our Results and Comparison with the paper</a:t>
+            </a:r>
+          </a:p>
+          <a:p>
+            <a:pPr algn="just"/>
             <a:endParaRPr lang="en-US" sz="2400" dirty="0">
               <a:latin typeface="Times New Roman" panose="02020603050405020304" pitchFamily="18" charset="0"/>
               <a:cs typeface="Times New Roman" panose="02020603050405020304" pitchFamily="18" charset="0"/>
@@ -9679,10 +9656,13 @@
           <a:bodyPr/>
           <a:lstStyle/>
           <a:p>
-            <a:endParaRPr lang="en-US" dirty="0">
-              <a:latin typeface="Times New Roman" panose="02020603050405020304" pitchFamily="18" charset="0"/>
-              <a:cs typeface="Times New Roman" panose="02020603050405020304" pitchFamily="18" charset="0"/>
-            </a:endParaRPr>
+            <a:r>
+              <a:rPr lang="en-US" dirty="0">
+                <a:latin typeface="Times New Roman" panose="02020603050405020304" pitchFamily="18" charset="0"/>
+                <a:cs typeface="Times New Roman" panose="02020603050405020304" pitchFamily="18" charset="0"/>
+              </a:rPr>
+              <a:t>Covered in discussion of Presentation html</a:t>
+            </a:r>
           </a:p>
         </p:txBody>
       </p:sp>
@@ -9827,6 +9807,23 @@
                 <a:cs typeface="Times New Roman" panose="02020603050405020304" pitchFamily="18" charset="0"/>
               </a:rPr>
               <a:t>Rizzo, Maria L. Statistical computing with R. CRC Press, 2019.</a:t>
+            </a:r>
+          </a:p>
+          <a:p>
+            <a:pPr algn="just"/>
+            <a:endParaRPr lang="en-US" sz="2400" dirty="0">
+              <a:latin typeface="Times New Roman" panose="02020603050405020304" pitchFamily="18" charset="0"/>
+              <a:cs typeface="Times New Roman" panose="02020603050405020304" pitchFamily="18" charset="0"/>
+            </a:endParaRPr>
+          </a:p>
+          <a:p>
+            <a:pPr algn="just"/>
+            <a:r>
+              <a:rPr lang="en-US" sz="2400" dirty="0">
+                <a:latin typeface="Times New Roman" panose="02020603050405020304" pitchFamily="18" charset="0"/>
+                <a:cs typeface="Times New Roman" panose="02020603050405020304" pitchFamily="18" charset="0"/>
+              </a:rPr>
+              <a:t>Packages cited in Presentation html</a:t>
             </a:r>
           </a:p>
           <a:p>
@@ -10070,7 +10067,7 @@
                 <a:latin typeface="Times New Roman" panose="02020603050405020304" pitchFamily="18" charset="0"/>
                 <a:cs typeface="Times New Roman" panose="02020603050405020304" pitchFamily="18" charset="0"/>
               </a:rPr>
-              <a:t> test, chi-square test. Power computation of these eight tests were obtained by Monte Carlo Simulation of sample data generated from alternative distribution that follow symmetric short-tailed, symmetric-long tailed and symmetric distributions. Different tests ate powerful for different types of distributions.</a:t>
+              <a:t> test, chi-square test. Power computations of these eight tests were obtained by Monte Carlo Simulation of sample data generated from alternative distributions that follow symmetric short-tailed, symmetric-long tailed and symmetric distributions. Different tests are powerful for different types of distributions.</a:t>
             </a:r>
           </a:p>
           <a:p>
@@ -10576,7 +10573,7 @@
                 <a:latin typeface="Times New Roman" panose="02020603050405020304" pitchFamily="18" charset="0"/>
                 <a:cs typeface="Times New Roman" panose="02020603050405020304" pitchFamily="18" charset="0"/>
               </a:rPr>
-              <a:t>1. Introduction. </a:t>
+              <a:t>1. Introduction </a:t>
             </a:r>
           </a:p>
           <a:p>
@@ -10947,7 +10944,7 @@
                 <a:latin typeface="Times New Roman" panose="02020603050405020304" pitchFamily="18" charset="0"/>
                 <a:cs typeface="Times New Roman" panose="02020603050405020304" pitchFamily="18" charset="0"/>
               </a:rPr>
-              <a:t>Normality test is a test of checking and confirming whether a sample comes from a normal distribution or not . </a:t>
+              <a:t>Normality test is a test of checking and confirming whether a sample comes from a normal distribution or not. </a:t>
             </a:r>
           </a:p>
           <a:p>
@@ -10973,7 +10970,7 @@
                 <a:latin typeface="Times New Roman" panose="02020603050405020304" pitchFamily="18" charset="0"/>
                 <a:cs typeface="Times New Roman" panose="02020603050405020304" pitchFamily="18" charset="0"/>
               </a:rPr>
-              <a:t>The power curves’ comparison has been observed for several types of non-normal distribution for all tests statistics. </a:t>
+              <a:t>The power curve comparison has been observed for several types of non-normal distribution for all test statistics. </a:t>
             </a:r>
           </a:p>
           <a:p>
@@ -10986,7 +10983,7 @@
                 <a:latin typeface="Times New Roman" panose="02020603050405020304" pitchFamily="18" charset="0"/>
                 <a:cs typeface="Times New Roman" panose="02020603050405020304" pitchFamily="18" charset="0"/>
               </a:rPr>
-              <a:t>The more the steepness of the power curve of one test statistic, the more the powerful the test statistic is over other test statistics for a specific distribution.     </a:t>
+              <a:t>The steeper the power curve of one test statistic, the more the powerful the test statistic is over other test statistics for a specific distribution.     </a:t>
             </a:r>
           </a:p>
           <a:p>
@@ -11197,7 +11194,7 @@
                     <a:latin typeface="Times New Roman" panose="02020603050405020304" pitchFamily="18" charset="0"/>
                     <a:cs typeface="Times New Roman" panose="02020603050405020304" pitchFamily="18" charset="0"/>
                   </a:rPr>
-                  <a:t> be a independently and identically distributed random sample from a continuous univariate distribution with an unknown probability distribution </a:t>
+                  <a:t> be independently and identically distributed random samples from a continuous univariate distribution with an unknown probability distribution </a:t>
                 </a:r>
                 <a14:m>
                   <m:oMath xmlns:m="http://schemas.openxmlformats.org/officeDocument/2006/math">
@@ -12254,7 +12251,7 @@
                     <a:latin typeface="Times New Roman" panose="02020603050405020304" pitchFamily="18" charset="0"/>
                     <a:cs typeface="Times New Roman" panose="02020603050405020304" pitchFamily="18" charset="0"/>
                   </a:rPr>
-                  <a:t> be a vector ordered random observations from a arbitrary population. </a:t>
+                  <a:t> be a vector of ordered random observations from an arbitrary population. </a:t>
                 </a:r>
               </a:p>
               <a:p>
@@ -13251,27 +13248,7 @@
                     <a:latin typeface="Times New Roman" panose="02020603050405020304" pitchFamily="18" charset="0"/>
                     <a:cs typeface="Times New Roman" panose="02020603050405020304" pitchFamily="18" charset="0"/>
                   </a:rPr>
-                  <a:t>Small values of SW leads to the rejection of normality, whereas a value </a:t>
-                </a:r>
-                <a:r>
-                  <a:rPr lang="en-US" sz="2400" dirty="0" err="1">
-                    <a:solidFill>
-                      <a:schemeClr val="tx2"/>
-                    </a:solidFill>
-                    <a:latin typeface="Times New Roman" panose="02020603050405020304" pitchFamily="18" charset="0"/>
-                    <a:cs typeface="Times New Roman" panose="02020603050405020304" pitchFamily="18" charset="0"/>
-                  </a:rPr>
-                  <a:t>odf</a:t>
-                </a:r>
-                <a:r>
-                  <a:rPr lang="en-US" sz="2400" dirty="0">
-                    <a:solidFill>
-                      <a:schemeClr val="tx2"/>
-                    </a:solidFill>
-                    <a:latin typeface="Times New Roman" panose="02020603050405020304" pitchFamily="18" charset="0"/>
-                    <a:cs typeface="Times New Roman" panose="02020603050405020304" pitchFamily="18" charset="0"/>
-                  </a:rPr>
-                  <a:t> one indicates normality of the data.</a:t>
+                  <a:t>Small values of SW lead to the rejection of normality, whereas a value of one indicates normality of the data.</a:t>
                 </a:r>
               </a:p>
               <a:p>
@@ -13651,7 +13628,7 @@
                     <a:latin typeface="Times New Roman" panose="02020603050405020304" pitchFamily="18" charset="0"/>
                     <a:cs typeface="Times New Roman" panose="02020603050405020304" pitchFamily="18" charset="0"/>
                   </a:rPr>
-                  <a:t> be an ordered sample of size </a:t>
+                  <a:t> is an ordered sample of size </a:t>
                 </a:r>
                 <a14:m>
                   <m:oMath xmlns:m="http://schemas.openxmlformats.org/officeDocument/2006/math">
@@ -14415,7 +14392,14 @@
                               <a:latin typeface="Cambria Math" panose="02040503050406030204" pitchFamily="18" charset="0"/>
                               <a:cs typeface="Times New Roman" panose="02020603050405020304" pitchFamily="18" charset="0"/>
                             </a:rPr>
-                            <m:t>𝑠𝑢𝑝</m:t>
+                            <m:t>𝑠</m:t>
+                          </m:r>
+                          <m:r>
+                            <a:rPr lang="en-US" sz="2400" b="0" i="1" dirty="0" smtClean="0">
+                              <a:latin typeface="Cambria Math" panose="02040503050406030204" pitchFamily="18" charset="0"/>
+                              <a:cs typeface="Times New Roman" panose="02020603050405020304" pitchFamily="18" charset="0"/>
+                            </a:rPr>
+                            <m:t>𝑢𝑝</m:t>
                           </m:r>
                         </m:e>
                       </m:mr>
@@ -16065,7 +16049,7 @@
                     <a:latin typeface="Times New Roman" panose="02020603050405020304" pitchFamily="18" charset="0"/>
                     <a:cs typeface="Times New Roman" panose="02020603050405020304" pitchFamily="18" charset="0"/>
                   </a:rPr>
-                  <a:t>The LL test statistic is similar to KS test where </a:t>
+                  <a:t>The LL test statistic is similar to the KS test except </a:t>
                 </a:r>
                 <a14:m>
                   <m:oMath xmlns:m="http://schemas.openxmlformats.org/officeDocument/2006/math">
@@ -16445,7 +16429,7 @@
                                     <a:latin typeface="Times New Roman" panose="02020603050405020304" pitchFamily="18" charset="0"/>
                                     <a:cs typeface="Times New Roman" panose="02020603050405020304" pitchFamily="18" charset="0"/>
                                   </a:rPr>
-                                  <m:t>-</m:t>
+                                  <m:t>−</m:t>
                                 </m:r>
                                 <m:r>
                                   <m:rPr>
@@ -16590,19 +16574,7 @@
                           <a:rPr lang="en-US" sz="2400" i="1">
                             <a:latin typeface="Cambria Math" panose="02040503050406030204" pitchFamily="18" charset="0"/>
                           </a:rPr>
-                          <m:t>(</m:t>
-                        </m:r>
-                        <m:r>
-                          <a:rPr lang="en-US" sz="2400" i="1">
-                            <a:latin typeface="Cambria Math" panose="02040503050406030204" pitchFamily="18" charset="0"/>
-                          </a:rPr>
-                          <m:t>1</m:t>
-                        </m:r>
-                        <m:r>
-                          <a:rPr lang="en-US" sz="2400" i="1">
-                            <a:latin typeface="Cambria Math" panose="02040503050406030204" pitchFamily="18" charset="0"/>
-                          </a:rPr>
-                          <m:t>)</m:t>
+                          <m:t>(1)</m:t>
                         </m:r>
                       </m:sub>
                     </m:sSub>
@@ -16634,19 +16606,7 @@
                           <a:rPr lang="en-US" sz="2400" i="1">
                             <a:latin typeface="Cambria Math" panose="02040503050406030204" pitchFamily="18" charset="0"/>
                           </a:rPr>
-                          <m:t>(</m:t>
-                        </m:r>
-                        <m:r>
-                          <a:rPr lang="en-US" sz="2400" i="1">
-                            <a:latin typeface="Cambria Math" panose="02040503050406030204" pitchFamily="18" charset="0"/>
-                          </a:rPr>
-                          <m:t>2</m:t>
-                        </m:r>
-                        <m:r>
-                          <a:rPr lang="en-US" sz="2400" i="1">
-                            <a:latin typeface="Cambria Math" panose="02040503050406030204" pitchFamily="18" charset="0"/>
-                          </a:rPr>
-                          <m:t>)</m:t>
+                          <m:t>(2)</m:t>
                         </m:r>
                       </m:sub>
                     </m:sSub>
@@ -16720,7 +16680,7 @@
                     <a:latin typeface="Times New Roman" panose="02020603050405020304" pitchFamily="18" charset="0"/>
                     <a:cs typeface="Times New Roman" panose="02020603050405020304" pitchFamily="18" charset="0"/>
                   </a:rPr>
-                  <a:t> be an ordered sample of size </a:t>
+                  <a:t> is an ordered sample of size </a:t>
                 </a:r>
                 <a14:m>
                   <m:oMath xmlns:m="http://schemas.openxmlformats.org/officeDocument/2006/math">
